--- a/tech-project/Научно-исследовательская работа.pptx
+++ b/tech-project/Научно-исследовательская работа.pptx
@@ -106,6 +106,11 @@
       </a:defRPr>
     </a:lvl9pPr>
   </p:defaultTextStyle>
+  <p:extLst>
+    <p:ext uri="{EFAFB233-063F-42B5-8137-9DF3F51BA10A}">
+      <p15:sldGuideLst xmlns:p15="http://schemas.microsoft.com/office/powerpoint/2012/main"/>
+    </p:ext>
+  </p:extLst>
 </p:presentation>
 </file>
 
@@ -323,7 +328,7 @@
             <a:fld id="{87DE6118-2437-4B30-8E3C-4D2BE6020583}" type="datetimeFigureOut">
               <a:rPr lang="en-US" smtClean="0"/>
               <a:pPr/>
-              <a:t>11/2/2020</a:t>
+              <a:t>11/9/2020</a:t>
             </a:fld>
             <a:endParaRPr lang="en-US" dirty="0"/>
           </a:p>
@@ -616,7 +621,7 @@
             <a:fld id="{87DE6118-2437-4B30-8E3C-4D2BE6020583}" type="datetimeFigureOut">
               <a:rPr lang="en-US" smtClean="0"/>
               <a:pPr/>
-              <a:t>11/2/2020</a:t>
+              <a:t>11/9/2020</a:t>
             </a:fld>
             <a:endParaRPr lang="en-US" dirty="0"/>
           </a:p>
@@ -877,7 +882,7 @@
             <a:fld id="{87DE6118-2437-4B30-8E3C-4D2BE6020583}" type="datetimeFigureOut">
               <a:rPr lang="en-US" smtClean="0"/>
               <a:pPr/>
-              <a:t>11/2/2020</a:t>
+              <a:t>11/9/2020</a:t>
             </a:fld>
             <a:endParaRPr lang="en-US" dirty="0"/>
           </a:p>
@@ -1348,7 +1353,7 @@
             <a:fld id="{87DE6118-2437-4B30-8E3C-4D2BE6020583}" type="datetimeFigureOut">
               <a:rPr lang="en-US" smtClean="0"/>
               <a:pPr/>
-              <a:t>11/2/2020</a:t>
+              <a:t>11/9/2020</a:t>
             </a:fld>
             <a:endParaRPr lang="en-US" dirty="0"/>
           </a:p>
@@ -1530,7 +1535,7 @@
             <a:fld id="{87DE6118-2437-4B30-8E3C-4D2BE6020583}" type="datetimeFigureOut">
               <a:rPr lang="en-US" smtClean="0"/>
               <a:pPr/>
-              <a:t>11/2/2020</a:t>
+              <a:t>11/9/2020</a:t>
             </a:fld>
             <a:endParaRPr lang="en-US" dirty="0"/>
           </a:p>
@@ -2108,7 +2113,7 @@
             <a:fld id="{87DE6118-2437-4B30-8E3C-4D2BE6020583}" type="datetimeFigureOut">
               <a:rPr lang="en-US" smtClean="0"/>
               <a:pPr/>
-              <a:t>11/2/2020</a:t>
+              <a:t>11/9/2020</a:t>
             </a:fld>
             <a:endParaRPr lang="en-US" dirty="0"/>
           </a:p>
@@ -2442,7 +2447,7 @@
             <a:fld id="{87DE6118-2437-4B30-8E3C-4D2BE6020583}" type="datetimeFigureOut">
               <a:rPr lang="en-US" smtClean="0"/>
               <a:pPr/>
-              <a:t>11/2/2020</a:t>
+              <a:t>11/9/2020</a:t>
             </a:fld>
             <a:endParaRPr lang="en-US" dirty="0"/>
           </a:p>
@@ -2618,7 +2623,7 @@
           <a:p>
             <a:fld id="{87DE6118-2437-4B30-8E3C-4D2BE6020583}" type="datetimeFigureOut">
               <a:rPr lang="en-US" smtClean="0"/>
-              <a:t>11/2/2020</a:t>
+              <a:t>11/9/2020</a:t>
             </a:fld>
             <a:endParaRPr lang="en-US" dirty="0"/>
           </a:p>
@@ -2798,7 +2803,7 @@
           <a:p>
             <a:fld id="{87DE6118-2437-4B30-8E3C-4D2BE6020583}" type="datetimeFigureOut">
               <a:rPr lang="en-US" smtClean="0"/>
-              <a:t>11/2/2020</a:t>
+              <a:t>11/9/2020</a:t>
             </a:fld>
             <a:endParaRPr lang="en-US" dirty="0"/>
           </a:p>
@@ -2968,7 +2973,7 @@
           <a:p>
             <a:fld id="{87DE6118-2437-4B30-8E3C-4D2BE6020583}" type="datetimeFigureOut">
               <a:rPr lang="en-US" smtClean="0"/>
-              <a:t>11/2/2020</a:t>
+              <a:t>11/9/2020</a:t>
             </a:fld>
             <a:endParaRPr lang="en-US" dirty="0"/>
           </a:p>
@@ -3226,7 +3231,7 @@
             <a:fld id="{87DE6118-2437-4B30-8E3C-4D2BE6020583}" type="datetimeFigureOut">
               <a:rPr lang="en-US" smtClean="0"/>
               <a:pPr/>
-              <a:t>11/2/2020</a:t>
+              <a:t>11/9/2020</a:t>
             </a:fld>
             <a:endParaRPr lang="en-US" dirty="0"/>
           </a:p>
@@ -3519,7 +3524,7 @@
           <a:p>
             <a:fld id="{87DE6118-2437-4B30-8E3C-4D2BE6020583}" type="datetimeFigureOut">
               <a:rPr lang="en-US" smtClean="0"/>
-              <a:t>11/2/2020</a:t>
+              <a:t>11/9/2020</a:t>
             </a:fld>
             <a:endParaRPr lang="en-US" dirty="0"/>
           </a:p>
@@ -3949,7 +3954,7 @@
           <a:p>
             <a:fld id="{87DE6118-2437-4B30-8E3C-4D2BE6020583}" type="datetimeFigureOut">
               <a:rPr lang="en-US" smtClean="0"/>
-              <a:t>11/2/2020</a:t>
+              <a:t>11/9/2020</a:t>
             </a:fld>
             <a:endParaRPr lang="en-US" dirty="0"/>
           </a:p>
@@ -4067,7 +4072,7 @@
           <a:p>
             <a:fld id="{87DE6118-2437-4B30-8E3C-4D2BE6020583}" type="datetimeFigureOut">
               <a:rPr lang="en-US" smtClean="0"/>
-              <a:t>11/2/2020</a:t>
+              <a:t>11/9/2020</a:t>
             </a:fld>
             <a:endParaRPr lang="en-US" dirty="0"/>
           </a:p>
@@ -4162,7 +4167,7 @@
           <a:p>
             <a:fld id="{87DE6118-2437-4B30-8E3C-4D2BE6020583}" type="datetimeFigureOut">
               <a:rPr lang="en-US" smtClean="0"/>
-              <a:t>11/2/2020</a:t>
+              <a:t>11/9/2020</a:t>
             </a:fld>
             <a:endParaRPr lang="en-US" dirty="0"/>
           </a:p>
@@ -4446,7 +4451,7 @@
             <a:fld id="{87DE6118-2437-4B30-8E3C-4D2BE6020583}" type="datetimeFigureOut">
               <a:rPr lang="en-US" smtClean="0"/>
               <a:pPr/>
-              <a:t>11/2/2020</a:t>
+              <a:t>11/9/2020</a:t>
             </a:fld>
             <a:endParaRPr lang="en-US" dirty="0"/>
           </a:p>
@@ -4739,7 +4744,7 @@
             <a:fld id="{87DE6118-2437-4B30-8E3C-4D2BE6020583}" type="datetimeFigureOut">
               <a:rPr lang="en-US" smtClean="0"/>
               <a:pPr/>
-              <a:t>11/2/2020</a:t>
+              <a:t>11/9/2020</a:t>
             </a:fld>
             <a:endParaRPr lang="en-US" dirty="0"/>
           </a:p>
@@ -4972,7 +4977,7 @@
             <a:fld id="{87DE6118-2437-4B30-8E3C-4D2BE6020583}" type="datetimeFigureOut">
               <a:rPr lang="en-US" smtClean="0"/>
               <a:pPr/>
-              <a:t>11/2/2020</a:t>
+              <a:t>11/9/2020</a:t>
             </a:fld>
             <a:endParaRPr lang="en-US" dirty="0"/>
           </a:p>
@@ -5825,13 +5830,13 @@
   <p:clrMapOvr>
     <a:masterClrMapping/>
   </p:clrMapOvr>
-  <mc:AlternateContent xmlns:mc="http://schemas.openxmlformats.org/markup-compatibility/2006">
-    <mc:Choice xmlns:p14="http://schemas.microsoft.com/office/powerpoint/2010/main" Requires="p14">
+  <mc:AlternateContent xmlns:mc="http://schemas.openxmlformats.org/markup-compatibility/2006" xmlns:p14="http://schemas.microsoft.com/office/powerpoint/2010/main">
+    <mc:Choice Requires="p14">
       <p:transition spd="med" p14:dur="700">
         <p:fade/>
       </p:transition>
     </mc:Choice>
-    <mc:Fallback>
+    <mc:Fallback xmlns="">
       <p:transition spd="med">
         <p:fade/>
       </p:transition>
@@ -6069,9 +6074,13 @@
           <a:bodyPr/>
           <a:lstStyle/>
           <a:p>
+            <a:pPr marL="342900" indent="-342900">
+              <a:buFont typeface="Arial" panose="020B0604020202020204" pitchFamily="34" charset="0"/>
+              <a:buChar char="•"/>
+            </a:pPr>
             <a:r>
               <a:rPr lang="ru-RU" dirty="0"/>
-              <a:t>-</a:t>
+              <a:t>Создать интерактивное программное обеспечение, достаточное для демонстрации физических явлений </a:t>
             </a:r>
           </a:p>
         </p:txBody>
@@ -6592,9 +6601,53 @@
             </a:lvl9pPr>
           </a:lstStyle>
           <a:p>
+            <a:pPr marL="342900" indent="-342900">
+              <a:buFont typeface="Arial" panose="020B0604020202020204" pitchFamily="34" charset="0"/>
+              <a:buChar char="•"/>
+            </a:pPr>
             <a:r>
               <a:rPr lang="ru-RU" dirty="0"/>
-              <a:t>-</a:t>
+              <a:t>Выработка ТЗ</a:t>
+            </a:r>
+          </a:p>
+          <a:p>
+            <a:pPr marL="342900" indent="-342900">
+              <a:buFont typeface="Arial" panose="020B0604020202020204" pitchFamily="34" charset="0"/>
+              <a:buChar char="•"/>
+            </a:pPr>
+            <a:r>
+              <a:rPr lang="ru-RU" dirty="0"/>
+              <a:t>Сбор необходимых референсов  </a:t>
+            </a:r>
+          </a:p>
+          <a:p>
+            <a:pPr marL="342900" indent="-342900">
+              <a:buFont typeface="Arial" panose="020B0604020202020204" pitchFamily="34" charset="0"/>
+              <a:buChar char="•"/>
+            </a:pPr>
+            <a:r>
+              <a:rPr lang="ru-RU" dirty="0"/>
+              <a:t>Написание графической основы для визуализации </a:t>
+            </a:r>
+          </a:p>
+          <a:p>
+            <a:pPr marL="342900" indent="-342900">
+              <a:buFont typeface="Arial" panose="020B0604020202020204" pitchFamily="34" charset="0"/>
+              <a:buChar char="•"/>
+            </a:pPr>
+            <a:r>
+              <a:rPr lang="ru-RU" dirty="0"/>
+              <a:t>Написание движка для взаимодействия с пользователем</a:t>
+            </a:r>
+          </a:p>
+          <a:p>
+            <a:pPr marL="342900" indent="-342900">
+              <a:buFont typeface="Arial" panose="020B0604020202020204" pitchFamily="34" charset="0"/>
+              <a:buChar char="•"/>
+            </a:pPr>
+            <a:r>
+              <a:rPr lang="ru-RU" dirty="0"/>
+              <a:t>Создание минимально необходимых моделей для ознакомления с ПО</a:t>
             </a:r>
           </a:p>
         </p:txBody>
